--- a/slides_de.pptx
+++ b/slides_de.pptx
@@ -273,7 +273,7 @@
           <a:p>
             <a:fld id="{129F6832-344F-4CF8-A452-E16DBD7444F3}" type="datetimeFigureOut">
               <a:rPr lang="en-GB" smtClean="0"/>
-              <a:t>28/04/2019</a:t>
+              <a:t>30/04/2019</a:t>
             </a:fld>
             <a:endParaRPr lang="en-GB"/>
           </a:p>
@@ -443,7 +443,7 @@
           <a:p>
             <a:fld id="{129F6832-344F-4CF8-A452-E16DBD7444F3}" type="datetimeFigureOut">
               <a:rPr lang="en-GB" smtClean="0"/>
-              <a:t>28/04/2019</a:t>
+              <a:t>30/04/2019</a:t>
             </a:fld>
             <a:endParaRPr lang="en-GB"/>
           </a:p>
@@ -623,7 +623,7 @@
           <a:p>
             <a:fld id="{129F6832-344F-4CF8-A452-E16DBD7444F3}" type="datetimeFigureOut">
               <a:rPr lang="en-GB" smtClean="0"/>
-              <a:t>28/04/2019</a:t>
+              <a:t>30/04/2019</a:t>
             </a:fld>
             <a:endParaRPr lang="en-GB"/>
           </a:p>
@@ -793,7 +793,7 @@
           <a:p>
             <a:fld id="{129F6832-344F-4CF8-A452-E16DBD7444F3}" type="datetimeFigureOut">
               <a:rPr lang="en-GB" smtClean="0"/>
-              <a:t>28/04/2019</a:t>
+              <a:t>30/04/2019</a:t>
             </a:fld>
             <a:endParaRPr lang="en-GB"/>
           </a:p>
@@ -1044,7 +1044,7 @@
           <a:p>
             <a:fld id="{129F6832-344F-4CF8-A452-E16DBD7444F3}" type="datetimeFigureOut">
               <a:rPr lang="en-GB" smtClean="0"/>
-              <a:t>28/04/2019</a:t>
+              <a:t>30/04/2019</a:t>
             </a:fld>
             <a:endParaRPr lang="en-GB"/>
           </a:p>
@@ -1276,7 +1276,7 @@
           <a:p>
             <a:fld id="{129F6832-344F-4CF8-A452-E16DBD7444F3}" type="datetimeFigureOut">
               <a:rPr lang="en-GB" smtClean="0"/>
-              <a:t>28/04/2019</a:t>
+              <a:t>30/04/2019</a:t>
             </a:fld>
             <a:endParaRPr lang="en-GB"/>
           </a:p>
@@ -1623,7 +1623,7 @@
           <a:p>
             <a:fld id="{129F6832-344F-4CF8-A452-E16DBD7444F3}" type="datetimeFigureOut">
               <a:rPr lang="en-GB" smtClean="0"/>
-              <a:t>28/04/2019</a:t>
+              <a:t>30/04/2019</a:t>
             </a:fld>
             <a:endParaRPr lang="en-GB"/>
           </a:p>
@@ -1741,7 +1741,7 @@
           <a:p>
             <a:fld id="{129F6832-344F-4CF8-A452-E16DBD7444F3}" type="datetimeFigureOut">
               <a:rPr lang="en-GB" smtClean="0"/>
-              <a:t>28/04/2019</a:t>
+              <a:t>30/04/2019</a:t>
             </a:fld>
             <a:endParaRPr lang="en-GB"/>
           </a:p>
@@ -1859,7 +1859,7 @@
           <a:p>
             <a:fld id="{129F6832-344F-4CF8-A452-E16DBD7444F3}" type="datetimeFigureOut">
               <a:rPr lang="en-GB" smtClean="0"/>
-              <a:t>28/04/2019</a:t>
+              <a:t>30/04/2019</a:t>
             </a:fld>
             <a:endParaRPr lang="en-GB"/>
           </a:p>
@@ -2143,7 +2143,7 @@
           <a:p>
             <a:fld id="{129F6832-344F-4CF8-A452-E16DBD7444F3}" type="datetimeFigureOut">
               <a:rPr lang="en-GB" smtClean="0"/>
-              <a:t>28/04/2019</a:t>
+              <a:t>30/04/2019</a:t>
             </a:fld>
             <a:endParaRPr lang="en-GB"/>
           </a:p>
@@ -2407,7 +2407,7 @@
           <a:p>
             <a:fld id="{129F6832-344F-4CF8-A452-E16DBD7444F3}" type="datetimeFigureOut">
               <a:rPr lang="en-GB" smtClean="0"/>
-              <a:t>28/04/2019</a:t>
+              <a:t>30/04/2019</a:t>
             </a:fld>
             <a:endParaRPr lang="en-GB"/>
           </a:p>
@@ -2621,7 +2621,7 @@
           <a:p>
             <a:fld id="{129F6832-344F-4CF8-A452-E16DBD7444F3}" type="datetimeFigureOut">
               <a:rPr lang="en-GB" smtClean="0"/>
-              <a:t>28/04/2019</a:t>
+              <a:t>30/04/2019</a:t>
             </a:fld>
             <a:endParaRPr lang="en-GB"/>
           </a:p>
@@ -4884,19 +4884,13 @@
           <a:p>
             <a:r>
               <a:rPr lang="de-AT" dirty="0"/>
-              <a:t>Beispiele zum selberlösen</a:t>
-            </a:r>
-          </a:p>
-          <a:p>
-            <a:r>
-              <a:rPr lang="de-AT" dirty="0"/>
+              <a:t>Beispiele</a:t>
+            </a:r>
+          </a:p>
+          <a:p>
+            <a:r>
+              <a:rPr lang="de-AT"/>
               <a:t>Lösungsvideo</a:t>
-            </a:r>
-          </a:p>
-          <a:p>
-            <a:r>
-              <a:rPr lang="de-AT" dirty="0" err="1"/>
-              <a:t>Challenges</a:t>
             </a:r>
             <a:endParaRPr lang="de-AT" dirty="0"/>
           </a:p>
